--- a/materials/OS-M2/OS-M2-S5-preregistration-slides.pptx
+++ b/materials/OS-M2/OS-M2-S5-preregistration-slides.pptx
@@ -5413,7 +5413,7 @@
             </a:pPr>
             <a:r>
               <a:rPr/>
-              <a:t>08/01/2026</a:t>
+              <a:t>09/01/2026</a:t>
             </a:r>
           </a:p>
         </p:txBody>
